--- a/html.pptx
+++ b/html.pptx
@@ -15,6 +15,8 @@
     <p:sldId id="263" r:id="rId9"/>
     <p:sldId id="264" r:id="rId10"/>
     <p:sldId id="265" r:id="rId11"/>
+    <p:sldId id="266" r:id="rId12"/>
+    <p:sldId id="267" r:id="rId13"/>
   </p:sldIdLst>
   <p:sldSz cx="12192000" cy="6858000"/>
   <p:notesSz cx="6858000" cy="9144000"/>
@@ -113,6 +115,11 @@
       </a:defRPr>
     </a:lvl9pPr>
   </p:defaultTextStyle>
+  <p:extLst>
+    <p:ext uri="{EFAFB233-063F-42B5-8137-9DF3F51BA10A}">
+      <p15:sldGuideLst xmlns:p15="http://schemas.microsoft.com/office/powerpoint/2012/main"/>
+    </p:ext>
+  </p:extLst>
 </p:presentation>
 </file>
 
@@ -265,7 +272,7 @@
           <a:p>
             <a:fld id="{E604A9DE-5D16-5148-A31A-5AFF5E45A3E1}" type="datetimeFigureOut">
               <a:rPr lang="en-US" smtClean="0"/>
-              <a:t>7/2/25</a:t>
+              <a:t>7/3/25</a:t>
             </a:fld>
             <a:endParaRPr lang="en-US"/>
           </a:p>
@@ -465,7 +472,7 @@
           <a:p>
             <a:fld id="{E604A9DE-5D16-5148-A31A-5AFF5E45A3E1}" type="datetimeFigureOut">
               <a:rPr lang="en-US" smtClean="0"/>
-              <a:t>7/2/25</a:t>
+              <a:t>7/3/25</a:t>
             </a:fld>
             <a:endParaRPr lang="en-US"/>
           </a:p>
@@ -675,7 +682,7 @@
           <a:p>
             <a:fld id="{E604A9DE-5D16-5148-A31A-5AFF5E45A3E1}" type="datetimeFigureOut">
               <a:rPr lang="en-US" smtClean="0"/>
-              <a:t>7/2/25</a:t>
+              <a:t>7/3/25</a:t>
             </a:fld>
             <a:endParaRPr lang="en-US"/>
           </a:p>
@@ -875,7 +882,7 @@
           <a:p>
             <a:fld id="{E604A9DE-5D16-5148-A31A-5AFF5E45A3E1}" type="datetimeFigureOut">
               <a:rPr lang="en-US" smtClean="0"/>
-              <a:t>7/2/25</a:t>
+              <a:t>7/3/25</a:t>
             </a:fld>
             <a:endParaRPr lang="en-US"/>
           </a:p>
@@ -1151,7 +1158,7 @@
           <a:p>
             <a:fld id="{E604A9DE-5D16-5148-A31A-5AFF5E45A3E1}" type="datetimeFigureOut">
               <a:rPr lang="en-US" smtClean="0"/>
-              <a:t>7/2/25</a:t>
+              <a:t>7/3/25</a:t>
             </a:fld>
             <a:endParaRPr lang="en-US"/>
           </a:p>
@@ -1419,7 +1426,7 @@
           <a:p>
             <a:fld id="{E604A9DE-5D16-5148-A31A-5AFF5E45A3E1}" type="datetimeFigureOut">
               <a:rPr lang="en-US" smtClean="0"/>
-              <a:t>7/2/25</a:t>
+              <a:t>7/3/25</a:t>
             </a:fld>
             <a:endParaRPr lang="en-US"/>
           </a:p>
@@ -1834,7 +1841,7 @@
           <a:p>
             <a:fld id="{E604A9DE-5D16-5148-A31A-5AFF5E45A3E1}" type="datetimeFigureOut">
               <a:rPr lang="en-US" smtClean="0"/>
-              <a:t>7/2/25</a:t>
+              <a:t>7/3/25</a:t>
             </a:fld>
             <a:endParaRPr lang="en-US"/>
           </a:p>
@@ -1976,7 +1983,7 @@
           <a:p>
             <a:fld id="{E604A9DE-5D16-5148-A31A-5AFF5E45A3E1}" type="datetimeFigureOut">
               <a:rPr lang="en-US" smtClean="0"/>
-              <a:t>7/2/25</a:t>
+              <a:t>7/3/25</a:t>
             </a:fld>
             <a:endParaRPr lang="en-US"/>
           </a:p>
@@ -2089,7 +2096,7 @@
           <a:p>
             <a:fld id="{E604A9DE-5D16-5148-A31A-5AFF5E45A3E1}" type="datetimeFigureOut">
               <a:rPr lang="en-US" smtClean="0"/>
-              <a:t>7/2/25</a:t>
+              <a:t>7/3/25</a:t>
             </a:fld>
             <a:endParaRPr lang="en-US"/>
           </a:p>
@@ -2402,7 +2409,7 @@
           <a:p>
             <a:fld id="{E604A9DE-5D16-5148-A31A-5AFF5E45A3E1}" type="datetimeFigureOut">
               <a:rPr lang="en-US" smtClean="0"/>
-              <a:t>7/2/25</a:t>
+              <a:t>7/3/25</a:t>
             </a:fld>
             <a:endParaRPr lang="en-US"/>
           </a:p>
@@ -2691,7 +2698,7 @@
           <a:p>
             <a:fld id="{E604A9DE-5D16-5148-A31A-5AFF5E45A3E1}" type="datetimeFigureOut">
               <a:rPr lang="en-US" smtClean="0"/>
-              <a:t>7/2/25</a:t>
+              <a:t>7/3/25</a:t>
             </a:fld>
             <a:endParaRPr lang="en-US"/>
           </a:p>
@@ -2934,7 +2941,7 @@
           <a:p>
             <a:fld id="{E604A9DE-5D16-5148-A31A-5AFF5E45A3E1}" type="datetimeFigureOut">
               <a:rPr lang="en-US" smtClean="0"/>
-              <a:t>7/2/25</a:t>
+              <a:t>7/3/25</a:t>
             </a:fld>
             <a:endParaRPr lang="en-US"/>
           </a:p>
@@ -3557,12 +3564,262 @@
               </a:solidFill>
             </a:endParaRPr>
           </a:p>
+          <a:p>
+            <a:pPr marL="0" indent="0">
+              <a:buNone/>
+            </a:pPr>
+            <a:r>
+              <a:rPr lang="en-US" dirty="0">
+                <a:solidFill>
+                  <a:srgbClr val="FF0000"/>
+                </a:solidFill>
+              </a:rPr>
+              <a:t>Domain</a:t>
+            </a:r>
+          </a:p>
+          <a:p>
+            <a:pPr marL="0" indent="0">
+              <a:buNone/>
+            </a:pPr>
+            <a:r>
+              <a:rPr lang="en-US" dirty="0">
+                <a:solidFill>
+                  <a:srgbClr val="FF0000"/>
+                </a:solidFill>
+              </a:rPr>
+              <a:t>Hosting</a:t>
+            </a:r>
+          </a:p>
+          <a:p>
+            <a:pPr marL="0" indent="0">
+              <a:buNone/>
+            </a:pPr>
+            <a:endParaRPr lang="en-US" dirty="0">
+              <a:solidFill>
+                <a:srgbClr val="FF0000"/>
+              </a:solidFill>
+            </a:endParaRPr>
+          </a:p>
         </p:txBody>
       </p:sp>
     </p:spTree>
     <p:extLst>
       <p:ext uri="{BB962C8B-B14F-4D97-AF65-F5344CB8AC3E}">
         <p14:creationId xmlns:p14="http://schemas.microsoft.com/office/powerpoint/2010/main" val="431537412"/>
+      </p:ext>
+    </p:extLst>
+  </p:cSld>
+  <p:clrMapOvr>
+    <a:masterClrMapping/>
+  </p:clrMapOvr>
+</p:sld>
+</file>
+
+<file path=ppt/slides/slide11.xml><?xml version="1.0" encoding="utf-8"?>
+<p:sld xmlns:a="http://schemas.openxmlformats.org/drawingml/2006/main" xmlns:r="http://schemas.openxmlformats.org/officeDocument/2006/relationships" xmlns:p="http://schemas.openxmlformats.org/presentationml/2006/main">
+  <p:cSld>
+    <p:spTree>
+      <p:nvGrpSpPr>
+        <p:cNvPr id="1" name=""/>
+        <p:cNvGrpSpPr/>
+        <p:nvPr/>
+      </p:nvGrpSpPr>
+      <p:grpSpPr>
+        <a:xfrm>
+          <a:off x="0" y="0"/>
+          <a:ext cx="0" cy="0"/>
+          <a:chOff x="0" y="0"/>
+          <a:chExt cx="0" cy="0"/>
+        </a:xfrm>
+      </p:grpSpPr>
+      <p:sp>
+        <p:nvSpPr>
+          <p:cNvPr id="2" name="Title 1">
+            <a:extLst>
+              <a:ext uri="{FF2B5EF4-FFF2-40B4-BE49-F238E27FC236}">
+                <a16:creationId xmlns:a16="http://schemas.microsoft.com/office/drawing/2014/main" id="{14C0570B-94B9-284F-AE49-2F1037E6E9B0}"/>
+              </a:ext>
+            </a:extLst>
+          </p:cNvPr>
+          <p:cNvSpPr>
+            <a:spLocks noGrp="1"/>
+          </p:cNvSpPr>
+          <p:nvPr>
+            <p:ph type="title"/>
+          </p:nvPr>
+        </p:nvSpPr>
+        <p:spPr/>
+        <p:txBody>
+          <a:bodyPr/>
+          <a:lstStyle/>
+          <a:p>
+            <a:endParaRPr lang="en-US"/>
+          </a:p>
+        </p:txBody>
+      </p:sp>
+      <p:sp>
+        <p:nvSpPr>
+          <p:cNvPr id="3" name="Content Placeholder 2">
+            <a:extLst>
+              <a:ext uri="{FF2B5EF4-FFF2-40B4-BE49-F238E27FC236}">
+                <a16:creationId xmlns:a16="http://schemas.microsoft.com/office/drawing/2014/main" id="{E55E3D5D-AF28-40AB-A3D4-4A10BE41BB3C}"/>
+              </a:ext>
+            </a:extLst>
+          </p:cNvPr>
+          <p:cNvSpPr>
+            <a:spLocks noGrp="1"/>
+          </p:cNvSpPr>
+          <p:nvPr>
+            <p:ph idx="1"/>
+          </p:nvPr>
+        </p:nvSpPr>
+        <p:spPr/>
+        <p:txBody>
+          <a:bodyPr/>
+          <a:lstStyle/>
+          <a:p>
+            <a:r>
+              <a:rPr lang="en-US" dirty="0"/>
+              <a:t>Heading1</a:t>
+            </a:r>
+          </a:p>
+          <a:p>
+            <a:r>
+              <a:rPr lang="en-US" dirty="0"/>
+              <a:t>Paragraph</a:t>
+            </a:r>
+          </a:p>
+          <a:p>
+            <a:r>
+              <a:rPr lang="en-US" dirty="0"/>
+              <a:t>Links</a:t>
+            </a:r>
+          </a:p>
+          <a:p>
+            <a:r>
+              <a:rPr lang="en-US" dirty="0"/>
+              <a:t>Images</a:t>
+            </a:r>
+          </a:p>
+          <a:p>
+            <a:endParaRPr lang="en-US" dirty="0"/>
+          </a:p>
+        </p:txBody>
+      </p:sp>
+    </p:spTree>
+    <p:extLst>
+      <p:ext uri="{BB962C8B-B14F-4D97-AF65-F5344CB8AC3E}">
+        <p14:creationId xmlns:p14="http://schemas.microsoft.com/office/powerpoint/2010/main" val="4132999309"/>
+      </p:ext>
+    </p:extLst>
+  </p:cSld>
+  <p:clrMapOvr>
+    <a:masterClrMapping/>
+  </p:clrMapOvr>
+</p:sld>
+</file>
+
+<file path=ppt/slides/slide12.xml><?xml version="1.0" encoding="utf-8"?>
+<p:sld xmlns:a="http://schemas.openxmlformats.org/drawingml/2006/main" xmlns:r="http://schemas.openxmlformats.org/officeDocument/2006/relationships" xmlns:p="http://schemas.openxmlformats.org/presentationml/2006/main">
+  <p:cSld>
+    <p:spTree>
+      <p:nvGrpSpPr>
+        <p:cNvPr id="1" name=""/>
+        <p:cNvGrpSpPr/>
+        <p:nvPr/>
+      </p:nvGrpSpPr>
+      <p:grpSpPr>
+        <a:xfrm>
+          <a:off x="0" y="0"/>
+          <a:ext cx="0" cy="0"/>
+          <a:chOff x="0" y="0"/>
+          <a:chExt cx="0" cy="0"/>
+        </a:xfrm>
+      </p:grpSpPr>
+      <p:sp>
+        <p:nvSpPr>
+          <p:cNvPr id="2" name="Title 1">
+            <a:extLst>
+              <a:ext uri="{FF2B5EF4-FFF2-40B4-BE49-F238E27FC236}">
+                <a16:creationId xmlns:a16="http://schemas.microsoft.com/office/drawing/2014/main" id="{C512E7F1-E7DF-A987-A1FE-83D895645315}"/>
+              </a:ext>
+            </a:extLst>
+          </p:cNvPr>
+          <p:cNvSpPr>
+            <a:spLocks noGrp="1"/>
+          </p:cNvSpPr>
+          <p:nvPr>
+            <p:ph type="title"/>
+          </p:nvPr>
+        </p:nvSpPr>
+        <p:spPr/>
+        <p:txBody>
+          <a:bodyPr/>
+          <a:lstStyle/>
+          <a:p>
+            <a:endParaRPr lang="en-US"/>
+          </a:p>
+        </p:txBody>
+      </p:sp>
+      <p:sp>
+        <p:nvSpPr>
+          <p:cNvPr id="3" name="Content Placeholder 2">
+            <a:extLst>
+              <a:ext uri="{FF2B5EF4-FFF2-40B4-BE49-F238E27FC236}">
+                <a16:creationId xmlns:a16="http://schemas.microsoft.com/office/drawing/2014/main" id="{A5893A69-9759-EBF1-855B-7B391F39C133}"/>
+              </a:ext>
+            </a:extLst>
+          </p:cNvPr>
+          <p:cNvSpPr>
+            <a:spLocks noGrp="1"/>
+          </p:cNvSpPr>
+          <p:nvPr>
+            <p:ph idx="1"/>
+          </p:nvPr>
+        </p:nvSpPr>
+        <p:spPr/>
+        <p:txBody>
+          <a:bodyPr/>
+          <a:lstStyle/>
+          <a:p>
+            <a:endParaRPr lang="en-US"/>
+          </a:p>
+        </p:txBody>
+      </p:sp>
+      <p:pic>
+        <p:nvPicPr>
+          <p:cNvPr id="4" name="Picture 3">
+            <a:extLst>
+              <a:ext uri="{FF2B5EF4-FFF2-40B4-BE49-F238E27FC236}">
+                <a16:creationId xmlns:a16="http://schemas.microsoft.com/office/drawing/2014/main" id="{7CA6E847-F8C6-CD0F-4F3A-F7D00EDC43FC}"/>
+              </a:ext>
+            </a:extLst>
+          </p:cNvPr>
+          <p:cNvPicPr>
+            <a:picLocks noChangeAspect="1"/>
+          </p:cNvPicPr>
+          <p:nvPr/>
+        </p:nvPicPr>
+        <p:blipFill>
+          <a:blip r:embed="rId2"/>
+          <a:stretch>
+            <a:fillRect/>
+          </a:stretch>
+        </p:blipFill>
+        <p:spPr>
+          <a:xfrm>
+            <a:off x="2209800" y="1000125"/>
+            <a:ext cx="7772400" cy="4857750"/>
+          </a:xfrm>
+          <a:prstGeom prst="rect">
+            <a:avLst/>
+          </a:prstGeom>
+        </p:spPr>
+      </p:pic>
+    </p:spTree>
+    <p:extLst>
+      <p:ext uri="{BB962C8B-B14F-4D97-AF65-F5344CB8AC3E}">
+        <p14:creationId xmlns:p14="http://schemas.microsoft.com/office/powerpoint/2010/main" val="3596007247"/>
       </p:ext>
     </p:extLst>
   </p:cSld>

--- a/html.pptx
+++ b/html.pptx
@@ -272,7 +272,7 @@
           <a:p>
             <a:fld id="{E604A9DE-5D16-5148-A31A-5AFF5E45A3E1}" type="datetimeFigureOut">
               <a:rPr lang="en-US" smtClean="0"/>
-              <a:t>7/3/25</a:t>
+              <a:t>7/8/25</a:t>
             </a:fld>
             <a:endParaRPr lang="en-US"/>
           </a:p>
@@ -472,7 +472,7 @@
           <a:p>
             <a:fld id="{E604A9DE-5D16-5148-A31A-5AFF5E45A3E1}" type="datetimeFigureOut">
               <a:rPr lang="en-US" smtClean="0"/>
-              <a:t>7/3/25</a:t>
+              <a:t>7/8/25</a:t>
             </a:fld>
             <a:endParaRPr lang="en-US"/>
           </a:p>
@@ -682,7 +682,7 @@
           <a:p>
             <a:fld id="{E604A9DE-5D16-5148-A31A-5AFF5E45A3E1}" type="datetimeFigureOut">
               <a:rPr lang="en-US" smtClean="0"/>
-              <a:t>7/3/25</a:t>
+              <a:t>7/8/25</a:t>
             </a:fld>
             <a:endParaRPr lang="en-US"/>
           </a:p>
@@ -882,7 +882,7 @@
           <a:p>
             <a:fld id="{E604A9DE-5D16-5148-A31A-5AFF5E45A3E1}" type="datetimeFigureOut">
               <a:rPr lang="en-US" smtClean="0"/>
-              <a:t>7/3/25</a:t>
+              <a:t>7/8/25</a:t>
             </a:fld>
             <a:endParaRPr lang="en-US"/>
           </a:p>
@@ -1158,7 +1158,7 @@
           <a:p>
             <a:fld id="{E604A9DE-5D16-5148-A31A-5AFF5E45A3E1}" type="datetimeFigureOut">
               <a:rPr lang="en-US" smtClean="0"/>
-              <a:t>7/3/25</a:t>
+              <a:t>7/8/25</a:t>
             </a:fld>
             <a:endParaRPr lang="en-US"/>
           </a:p>
@@ -1426,7 +1426,7 @@
           <a:p>
             <a:fld id="{E604A9DE-5D16-5148-A31A-5AFF5E45A3E1}" type="datetimeFigureOut">
               <a:rPr lang="en-US" smtClean="0"/>
-              <a:t>7/3/25</a:t>
+              <a:t>7/8/25</a:t>
             </a:fld>
             <a:endParaRPr lang="en-US"/>
           </a:p>
@@ -1841,7 +1841,7 @@
           <a:p>
             <a:fld id="{E604A9DE-5D16-5148-A31A-5AFF5E45A3E1}" type="datetimeFigureOut">
               <a:rPr lang="en-US" smtClean="0"/>
-              <a:t>7/3/25</a:t>
+              <a:t>7/8/25</a:t>
             </a:fld>
             <a:endParaRPr lang="en-US"/>
           </a:p>
@@ -1983,7 +1983,7 @@
           <a:p>
             <a:fld id="{E604A9DE-5D16-5148-A31A-5AFF5E45A3E1}" type="datetimeFigureOut">
               <a:rPr lang="en-US" smtClean="0"/>
-              <a:t>7/3/25</a:t>
+              <a:t>7/8/25</a:t>
             </a:fld>
             <a:endParaRPr lang="en-US"/>
           </a:p>
@@ -2096,7 +2096,7 @@
           <a:p>
             <a:fld id="{E604A9DE-5D16-5148-A31A-5AFF5E45A3E1}" type="datetimeFigureOut">
               <a:rPr lang="en-US" smtClean="0"/>
-              <a:t>7/3/25</a:t>
+              <a:t>7/8/25</a:t>
             </a:fld>
             <a:endParaRPr lang="en-US"/>
           </a:p>
@@ -2409,7 +2409,7 @@
           <a:p>
             <a:fld id="{E604A9DE-5D16-5148-A31A-5AFF5E45A3E1}" type="datetimeFigureOut">
               <a:rPr lang="en-US" smtClean="0"/>
-              <a:t>7/3/25</a:t>
+              <a:t>7/8/25</a:t>
             </a:fld>
             <a:endParaRPr lang="en-US"/>
           </a:p>
@@ -2698,7 +2698,7 @@
           <a:p>
             <a:fld id="{E604A9DE-5D16-5148-A31A-5AFF5E45A3E1}" type="datetimeFigureOut">
               <a:rPr lang="en-US" smtClean="0"/>
-              <a:t>7/3/25</a:t>
+              <a:t>7/8/25</a:t>
             </a:fld>
             <a:endParaRPr lang="en-US"/>
           </a:p>
@@ -2941,7 +2941,7 @@
           <a:p>
             <a:fld id="{E604A9DE-5D16-5148-A31A-5AFF5E45A3E1}" type="datetimeFigureOut">
               <a:rPr lang="en-US" smtClean="0"/>
-              <a:t>7/3/25</a:t>
+              <a:t>7/8/25</a:t>
             </a:fld>
             <a:endParaRPr lang="en-US"/>
           </a:p>
@@ -3675,7 +3675,9 @@
         </p:nvSpPr>
         <p:spPr/>
         <p:txBody>
-          <a:bodyPr/>
+          <a:bodyPr numCol="2">
+            <a:normAutofit/>
+          </a:bodyPr>
           <a:lstStyle/>
           <a:p>
             <a:r>
@@ -3699,6 +3701,61 @@
             <a:r>
               <a:rPr lang="en-US" dirty="0"/>
               <a:t>Images</a:t>
+            </a:r>
+          </a:p>
+          <a:p>
+            <a:r>
+              <a:rPr lang="en-US" dirty="0"/>
+              <a:t>Inline vs block elements</a:t>
+            </a:r>
+          </a:p>
+          <a:p>
+            <a:r>
+              <a:rPr lang="en-US" dirty="0" err="1"/>
+              <a:t>Iframe</a:t>
+            </a:r>
+            <a:endParaRPr lang="en-US" dirty="0"/>
+          </a:p>
+          <a:p>
+            <a:r>
+              <a:rPr lang="en-US" dirty="0"/>
+              <a:t>Unordered Lists</a:t>
+            </a:r>
+          </a:p>
+          <a:p>
+            <a:r>
+              <a:rPr lang="en-US" dirty="0"/>
+              <a:t>Ordered lists</a:t>
+            </a:r>
+          </a:p>
+          <a:p>
+            <a:r>
+              <a:rPr lang="en-US" dirty="0"/>
+              <a:t>Description Lists</a:t>
+            </a:r>
+          </a:p>
+          <a:p>
+            <a:r>
+              <a:rPr lang="en-US" dirty="0"/>
+              <a:t>Tables</a:t>
+            </a:r>
+          </a:p>
+          <a:p>
+            <a:r>
+              <a:rPr lang="en-US" dirty="0"/>
+              <a:t>Entities</a:t>
+            </a:r>
+          </a:p>
+          <a:p>
+            <a:r>
+              <a:rPr lang="en-US" dirty="0"/>
+              <a:t>Word decoration</a:t>
+            </a:r>
+          </a:p>
+          <a:p>
+            <a:r>
+              <a:rPr lang="en-US" dirty="0"/>
+              <a:t>Comments ctrl+/</a:t>
             </a:r>
           </a:p>
           <a:p>
@@ -3782,40 +3839,13 @@
           <a:bodyPr/>
           <a:lstStyle/>
           <a:p>
-            <a:endParaRPr lang="en-US"/>
-          </a:p>
-        </p:txBody>
-      </p:sp>
-      <p:pic>
-        <p:nvPicPr>
-          <p:cNvPr id="4" name="Picture 3">
-            <a:extLst>
-              <a:ext uri="{FF2B5EF4-FFF2-40B4-BE49-F238E27FC236}">
-                <a16:creationId xmlns:a16="http://schemas.microsoft.com/office/drawing/2014/main" id="{7CA6E847-F8C6-CD0F-4F3A-F7D00EDC43FC}"/>
-              </a:ext>
-            </a:extLst>
-          </p:cNvPr>
-          <p:cNvPicPr>
-            <a:picLocks noChangeAspect="1"/>
-          </p:cNvPicPr>
-          <p:nvPr/>
-        </p:nvPicPr>
-        <p:blipFill>
-          <a:blip r:embed="rId2"/>
-          <a:stretch>
-            <a:fillRect/>
-          </a:stretch>
-        </p:blipFill>
-        <p:spPr>
-          <a:xfrm>
-            <a:off x="2209800" y="1000125"/>
-            <a:ext cx="7772400" cy="4857750"/>
-          </a:xfrm>
-          <a:prstGeom prst="rect">
-            <a:avLst/>
-          </a:prstGeom>
-        </p:spPr>
-      </p:pic>
+            <a:r>
+              <a:rPr lang="en-US"/>
+              <a:t>LoginProject</a:t>
+            </a:r>
+          </a:p>
+        </p:txBody>
+      </p:sp>
     </p:spTree>
     <p:extLst>
       <p:ext uri="{BB962C8B-B14F-4D97-AF65-F5344CB8AC3E}">

--- a/html.pptx
+++ b/html.pptx
@@ -17,6 +17,7 @@
     <p:sldId id="265" r:id="rId11"/>
     <p:sldId id="266" r:id="rId12"/>
     <p:sldId id="267" r:id="rId13"/>
+    <p:sldId id="268" r:id="rId14"/>
   </p:sldIdLst>
   <p:sldSz cx="12192000" cy="6858000"/>
   <p:notesSz cx="6858000" cy="9144000"/>
@@ -272,7 +273,7 @@
           <a:p>
             <a:fld id="{E604A9DE-5D16-5148-A31A-5AFF5E45A3E1}" type="datetimeFigureOut">
               <a:rPr lang="en-US" smtClean="0"/>
-              <a:t>7/8/25</a:t>
+              <a:t>7/10/25</a:t>
             </a:fld>
             <a:endParaRPr lang="en-US"/>
           </a:p>
@@ -472,7 +473,7 @@
           <a:p>
             <a:fld id="{E604A9DE-5D16-5148-A31A-5AFF5E45A3E1}" type="datetimeFigureOut">
               <a:rPr lang="en-US" smtClean="0"/>
-              <a:t>7/8/25</a:t>
+              <a:t>7/10/25</a:t>
             </a:fld>
             <a:endParaRPr lang="en-US"/>
           </a:p>
@@ -682,7 +683,7 @@
           <a:p>
             <a:fld id="{E604A9DE-5D16-5148-A31A-5AFF5E45A3E1}" type="datetimeFigureOut">
               <a:rPr lang="en-US" smtClean="0"/>
-              <a:t>7/8/25</a:t>
+              <a:t>7/10/25</a:t>
             </a:fld>
             <a:endParaRPr lang="en-US"/>
           </a:p>
@@ -882,7 +883,7 @@
           <a:p>
             <a:fld id="{E604A9DE-5D16-5148-A31A-5AFF5E45A3E1}" type="datetimeFigureOut">
               <a:rPr lang="en-US" smtClean="0"/>
-              <a:t>7/8/25</a:t>
+              <a:t>7/10/25</a:t>
             </a:fld>
             <a:endParaRPr lang="en-US"/>
           </a:p>
@@ -1158,7 +1159,7 @@
           <a:p>
             <a:fld id="{E604A9DE-5D16-5148-A31A-5AFF5E45A3E1}" type="datetimeFigureOut">
               <a:rPr lang="en-US" smtClean="0"/>
-              <a:t>7/8/25</a:t>
+              <a:t>7/10/25</a:t>
             </a:fld>
             <a:endParaRPr lang="en-US"/>
           </a:p>
@@ -1426,7 +1427,7 @@
           <a:p>
             <a:fld id="{E604A9DE-5D16-5148-A31A-5AFF5E45A3E1}" type="datetimeFigureOut">
               <a:rPr lang="en-US" smtClean="0"/>
-              <a:t>7/8/25</a:t>
+              <a:t>7/10/25</a:t>
             </a:fld>
             <a:endParaRPr lang="en-US"/>
           </a:p>
@@ -1841,7 +1842,7 @@
           <a:p>
             <a:fld id="{E604A9DE-5D16-5148-A31A-5AFF5E45A3E1}" type="datetimeFigureOut">
               <a:rPr lang="en-US" smtClean="0"/>
-              <a:t>7/8/25</a:t>
+              <a:t>7/10/25</a:t>
             </a:fld>
             <a:endParaRPr lang="en-US"/>
           </a:p>
@@ -1983,7 +1984,7 @@
           <a:p>
             <a:fld id="{E604A9DE-5D16-5148-A31A-5AFF5E45A3E1}" type="datetimeFigureOut">
               <a:rPr lang="en-US" smtClean="0"/>
-              <a:t>7/8/25</a:t>
+              <a:t>7/10/25</a:t>
             </a:fld>
             <a:endParaRPr lang="en-US"/>
           </a:p>
@@ -2096,7 +2097,7 @@
           <a:p>
             <a:fld id="{E604A9DE-5D16-5148-A31A-5AFF5E45A3E1}" type="datetimeFigureOut">
               <a:rPr lang="en-US" smtClean="0"/>
-              <a:t>7/8/25</a:t>
+              <a:t>7/10/25</a:t>
             </a:fld>
             <a:endParaRPr lang="en-US"/>
           </a:p>
@@ -2409,7 +2410,7 @@
           <a:p>
             <a:fld id="{E604A9DE-5D16-5148-A31A-5AFF5E45A3E1}" type="datetimeFigureOut">
               <a:rPr lang="en-US" smtClean="0"/>
-              <a:t>7/8/25</a:t>
+              <a:t>7/10/25</a:t>
             </a:fld>
             <a:endParaRPr lang="en-US"/>
           </a:p>
@@ -2698,7 +2699,7 @@
           <a:p>
             <a:fld id="{E604A9DE-5D16-5148-A31A-5AFF5E45A3E1}" type="datetimeFigureOut">
               <a:rPr lang="en-US" smtClean="0"/>
-              <a:t>7/8/25</a:t>
+              <a:t>7/10/25</a:t>
             </a:fld>
             <a:endParaRPr lang="en-US"/>
           </a:p>
@@ -2941,7 +2942,7 @@
           <a:p>
             <a:fld id="{E604A9DE-5D16-5148-A31A-5AFF5E45A3E1}" type="datetimeFigureOut">
               <a:rPr lang="en-US" smtClean="0"/>
-              <a:t>7/8/25</a:t>
+              <a:t>7/10/25</a:t>
             </a:fld>
             <a:endParaRPr lang="en-US"/>
           </a:p>
@@ -3840,9 +3841,103 @@
           <a:lstStyle/>
           <a:p>
             <a:r>
-              <a:rPr lang="en-US"/>
+              <a:rPr lang="en-US" dirty="0" err="1"/>
               <a:t>LoginProject</a:t>
             </a:r>
+            <a:endParaRPr lang="en-US" dirty="0"/>
+          </a:p>
+        </p:txBody>
+      </p:sp>
+      <p:sp>
+        <p:nvSpPr>
+          <p:cNvPr id="5" name="TextBox 4">
+            <a:extLst>
+              <a:ext uri="{FF2B5EF4-FFF2-40B4-BE49-F238E27FC236}">
+                <a16:creationId xmlns:a16="http://schemas.microsoft.com/office/drawing/2014/main" id="{27B85245-488B-B681-612E-D91986E16AAB}"/>
+              </a:ext>
+            </a:extLst>
+          </p:cNvPr>
+          <p:cNvSpPr txBox="1"/>
+          <p:nvPr/>
+        </p:nvSpPr>
+        <p:spPr>
+          <a:xfrm>
+            <a:off x="3050771" y="3248490"/>
+            <a:ext cx="7040880" cy="3539430"/>
+          </a:xfrm>
+          <a:prstGeom prst="rect">
+            <a:avLst/>
+          </a:prstGeom>
+          <a:noFill/>
+        </p:spPr>
+        <p:txBody>
+          <a:bodyPr wrap="square">
+            <a:spAutoFit/>
+          </a:bodyPr>
+          <a:lstStyle/>
+          <a:p>
+            <a:r>
+              <a:rPr lang="en-IN" sz="2800" dirty="0"/>
+              <a:t>From existing files </a:t>
+            </a:r>
+          </a:p>
+          <a:p>
+            <a:endParaRPr lang="en-IN" sz="2800" dirty="0"/>
+          </a:p>
+          <a:p>
+            <a:pPr marL="514350" indent="-514350">
+              <a:buAutoNum type="arabicPeriod"/>
+            </a:pPr>
+            <a:r>
+              <a:rPr lang="en-IN" sz="2800" dirty="0"/>
+              <a:t>git init</a:t>
+            </a:r>
+          </a:p>
+          <a:p>
+            <a:pPr marL="514350" indent="-514350">
+              <a:buAutoNum type="arabicPeriod"/>
+            </a:pPr>
+            <a:r>
+              <a:rPr lang="en-IN" sz="2800" dirty="0"/>
+              <a:t>Git clone ……</a:t>
+            </a:r>
+          </a:p>
+          <a:p>
+            <a:pPr marL="514350" indent="-514350">
+              <a:buAutoNum type="arabicPeriod"/>
+            </a:pPr>
+            <a:r>
+              <a:rPr lang="en-IN" sz="2800" dirty="0"/>
+              <a:t>Git status</a:t>
+            </a:r>
+          </a:p>
+          <a:p>
+            <a:pPr marL="514350" indent="-514350">
+              <a:buAutoNum type="arabicPeriod"/>
+            </a:pPr>
+            <a:r>
+              <a:rPr lang="en-IN" sz="2800" dirty="0"/>
+              <a:t>Git add .</a:t>
+            </a:r>
+          </a:p>
+          <a:p>
+            <a:pPr marL="514350" indent="-514350">
+              <a:buAutoNum type="arabicPeriod"/>
+            </a:pPr>
+            <a:r>
+              <a:rPr lang="en-IN" sz="2800" dirty="0"/>
+              <a:t>Git commit –m “message”</a:t>
+            </a:r>
+          </a:p>
+          <a:p>
+            <a:pPr marL="514350" indent="-514350">
+              <a:buAutoNum type="arabicPeriod"/>
+            </a:pPr>
+            <a:r>
+              <a:rPr lang="en-IN" sz="2800" dirty="0"/>
+              <a:t>Git push</a:t>
+            </a:r>
+            <a:endParaRPr lang="en-US" sz="2800" dirty="0"/>
           </a:p>
         </p:txBody>
       </p:sp>
@@ -3850,6 +3945,272 @@
     <p:extLst>
       <p:ext uri="{BB962C8B-B14F-4D97-AF65-F5344CB8AC3E}">
         <p14:creationId xmlns:p14="http://schemas.microsoft.com/office/powerpoint/2010/main" val="3596007247"/>
+      </p:ext>
+    </p:extLst>
+  </p:cSld>
+  <p:clrMapOvr>
+    <a:masterClrMapping/>
+  </p:clrMapOvr>
+</p:sld>
+</file>
+
+<file path=ppt/slides/slide13.xml><?xml version="1.0" encoding="utf-8"?>
+<p:sld xmlns:a="http://schemas.openxmlformats.org/drawingml/2006/main" xmlns:r="http://schemas.openxmlformats.org/officeDocument/2006/relationships" xmlns:p="http://schemas.openxmlformats.org/presentationml/2006/main">
+  <p:cSld>
+    <p:spTree>
+      <p:nvGrpSpPr>
+        <p:cNvPr id="1" name=""/>
+        <p:cNvGrpSpPr/>
+        <p:nvPr/>
+      </p:nvGrpSpPr>
+      <p:grpSpPr>
+        <a:xfrm>
+          <a:off x="0" y="0"/>
+          <a:ext cx="0" cy="0"/>
+          <a:chOff x="0" y="0"/>
+          <a:chExt cx="0" cy="0"/>
+        </a:xfrm>
+      </p:grpSpPr>
+      <p:sp>
+        <p:nvSpPr>
+          <p:cNvPr id="2" name="Title 1">
+            <a:extLst>
+              <a:ext uri="{FF2B5EF4-FFF2-40B4-BE49-F238E27FC236}">
+                <a16:creationId xmlns:a16="http://schemas.microsoft.com/office/drawing/2014/main" id="{A143544D-3FC7-64B3-835D-6CA41611AECC}"/>
+              </a:ext>
+            </a:extLst>
+          </p:cNvPr>
+          <p:cNvSpPr>
+            <a:spLocks noGrp="1"/>
+          </p:cNvSpPr>
+          <p:nvPr>
+            <p:ph type="title"/>
+          </p:nvPr>
+        </p:nvSpPr>
+        <p:spPr/>
+        <p:txBody>
+          <a:bodyPr/>
+          <a:lstStyle/>
+          <a:p>
+            <a:r>
+              <a:rPr lang="en-US" dirty="0"/>
+              <a:t>CSS</a:t>
+            </a:r>
+          </a:p>
+        </p:txBody>
+      </p:sp>
+      <p:sp>
+        <p:nvSpPr>
+          <p:cNvPr id="3" name="Content Placeholder 2">
+            <a:extLst>
+              <a:ext uri="{FF2B5EF4-FFF2-40B4-BE49-F238E27FC236}">
+                <a16:creationId xmlns:a16="http://schemas.microsoft.com/office/drawing/2014/main" id="{FD2F26EB-98E6-D89F-0C79-09B9B155160E}"/>
+              </a:ext>
+            </a:extLst>
+          </p:cNvPr>
+          <p:cNvSpPr>
+            <a:spLocks noGrp="1"/>
+          </p:cNvSpPr>
+          <p:nvPr>
+            <p:ph idx="1"/>
+          </p:nvPr>
+        </p:nvSpPr>
+        <p:spPr/>
+        <p:txBody>
+          <a:bodyPr numCol="2">
+            <a:normAutofit fontScale="62500" lnSpcReduction="20000"/>
+          </a:bodyPr>
+          <a:lstStyle/>
+          <a:p>
+            <a:r>
+              <a:rPr lang="en-US" dirty="0"/>
+              <a:t>Inline </a:t>
+            </a:r>
+            <a:r>
+              <a:rPr lang="en-US" dirty="0" err="1"/>
+              <a:t>css</a:t>
+            </a:r>
+            <a:endParaRPr lang="en-US" dirty="0"/>
+          </a:p>
+          <a:p>
+            <a:r>
+              <a:rPr lang="en-US" dirty="0"/>
+              <a:t>Internal </a:t>
+            </a:r>
+            <a:r>
+              <a:rPr lang="en-US"/>
+              <a:t>css</a:t>
+            </a:r>
+            <a:endParaRPr lang="en-US" dirty="0"/>
+          </a:p>
+          <a:p>
+            <a:r>
+              <a:rPr lang="en-US" dirty="0"/>
+              <a:t>External </a:t>
+            </a:r>
+            <a:r>
+              <a:rPr lang="en-US" dirty="0" err="1"/>
+              <a:t>css</a:t>
+            </a:r>
+            <a:endParaRPr lang="en-US" dirty="0"/>
+          </a:p>
+          <a:p>
+            <a:r>
+              <a:rPr lang="en-US" dirty="0"/>
+              <a:t>Classes and ids</a:t>
+            </a:r>
+          </a:p>
+          <a:p>
+            <a:r>
+              <a:rPr lang="en-US" dirty="0"/>
+              <a:t>Div and span</a:t>
+            </a:r>
+          </a:p>
+          <a:p>
+            <a:r>
+              <a:rPr lang="en-US" dirty="0"/>
+              <a:t>Box modal</a:t>
+            </a:r>
+          </a:p>
+          <a:p>
+            <a:r>
+              <a:rPr lang="en-US" dirty="0"/>
+              <a:t>Box model : Border</a:t>
+            </a:r>
+          </a:p>
+          <a:p>
+            <a:r>
+              <a:rPr lang="en-US" dirty="0"/>
+              <a:t>Box Modal: Outline</a:t>
+            </a:r>
+          </a:p>
+          <a:p>
+            <a:r>
+              <a:rPr lang="en-US" dirty="0"/>
+              <a:t>Box Modal: Margin</a:t>
+            </a:r>
+          </a:p>
+          <a:p>
+            <a:r>
+              <a:rPr lang="en-US" dirty="0"/>
+              <a:t>Background</a:t>
+            </a:r>
+          </a:p>
+          <a:p>
+            <a:r>
+              <a:rPr lang="en-US" dirty="0"/>
+              <a:t>Floating</a:t>
+            </a:r>
+          </a:p>
+          <a:p>
+            <a:r>
+              <a:rPr lang="en-US" dirty="0"/>
+              <a:t>Positioning</a:t>
+            </a:r>
+          </a:p>
+          <a:p>
+            <a:r>
+              <a:rPr lang="en-US" dirty="0"/>
+              <a:t>Display</a:t>
+            </a:r>
+          </a:p>
+          <a:p>
+            <a:r>
+              <a:rPr lang="en-US" dirty="0"/>
+              <a:t>Text decoration</a:t>
+            </a:r>
+          </a:p>
+          <a:p>
+            <a:r>
+              <a:rPr lang="en-US" dirty="0"/>
+              <a:t>Text align</a:t>
+            </a:r>
+          </a:p>
+          <a:p>
+            <a:r>
+              <a:rPr lang="en-US" dirty="0"/>
+              <a:t>Text font</a:t>
+            </a:r>
+          </a:p>
+          <a:p>
+            <a:r>
+              <a:rPr lang="en-US" dirty="0"/>
+              <a:t>Text effects</a:t>
+            </a:r>
+          </a:p>
+          <a:p>
+            <a:r>
+              <a:rPr lang="en-US" dirty="0"/>
+              <a:t>Image </a:t>
+            </a:r>
+            <a:r>
+              <a:rPr lang="en-US" dirty="0" err="1"/>
+              <a:t>sprities</a:t>
+            </a:r>
+            <a:endParaRPr lang="en-US" dirty="0"/>
+          </a:p>
+          <a:p>
+            <a:r>
+              <a:rPr lang="en-US" dirty="0"/>
+              <a:t>Image opacity</a:t>
+            </a:r>
+          </a:p>
+          <a:p>
+            <a:r>
+              <a:rPr lang="en-US" dirty="0"/>
+              <a:t>Styling lists</a:t>
+            </a:r>
+          </a:p>
+          <a:p>
+            <a:r>
+              <a:rPr lang="en-US" dirty="0"/>
+              <a:t>2d </a:t>
+            </a:r>
+            <a:r>
+              <a:rPr lang="en-US" dirty="0" err="1"/>
+              <a:t>tranforms</a:t>
+            </a:r>
+            <a:endParaRPr lang="en-US" dirty="0"/>
+          </a:p>
+          <a:p>
+            <a:r>
+              <a:rPr lang="en-US" dirty="0"/>
+              <a:t>3d </a:t>
+            </a:r>
+            <a:r>
+              <a:rPr lang="en-US" dirty="0" err="1"/>
+              <a:t>tranforms</a:t>
+            </a:r>
+            <a:endParaRPr lang="en-US" dirty="0"/>
+          </a:p>
+          <a:p>
+            <a:r>
+              <a:rPr lang="en-US" dirty="0"/>
+              <a:t>Transitions</a:t>
+            </a:r>
+          </a:p>
+          <a:p>
+            <a:r>
+              <a:rPr lang="en-US" dirty="0"/>
+              <a:t>Animations</a:t>
+            </a:r>
+          </a:p>
+          <a:p>
+            <a:r>
+              <a:rPr lang="en-US" dirty="0" err="1"/>
+              <a:t>Css</a:t>
+            </a:r>
+            <a:r>
+              <a:rPr lang="en-US" dirty="0"/>
+              <a:t> quiz</a:t>
+            </a:r>
+          </a:p>
+        </p:txBody>
+      </p:sp>
+    </p:spTree>
+    <p:extLst>
+      <p:ext uri="{BB962C8B-B14F-4D97-AF65-F5344CB8AC3E}">
+        <p14:creationId xmlns:p14="http://schemas.microsoft.com/office/powerpoint/2010/main" val="2138845891"/>
       </p:ext>
     </p:extLst>
   </p:cSld>
